--- a/Consegna 25.pptx
+++ b/Consegna 25.pptx
@@ -16,6 +16,11 @@
     <p:sldId id="264" r:id="rId10"/>
     <p:sldId id="265" r:id="rId11"/>
     <p:sldId id="266" r:id="rId12"/>
+    <p:sldId id="267" r:id="rId13"/>
+    <p:sldId id="268" r:id="rId14"/>
+    <p:sldId id="269" r:id="rId15"/>
+    <p:sldId id="270" r:id="rId16"/>
+    <p:sldId id="271" r:id="rId17"/>
   </p:sldIdLst>
   <p:sldSz cx="12192000" cy="6858000"/>
   <p:notesSz cx="6858000" cy="9144000"/>
@@ -114,6 +119,11 @@
       </a:defRPr>
     </a:lvl9pPr>
   </p:defaultTextStyle>
+  <p:extLst>
+    <p:ext uri="{EFAFB233-063F-42B5-8137-9DF3F51BA10A}">
+      <p15:sldGuideLst xmlns:p15="http://schemas.microsoft.com/office/powerpoint/2012/main"/>
+    </p:ext>
+  </p:extLst>
 </p:presentation>
 </file>
 
@@ -3577,6 +3587,503 @@
 </p:sld>
 </file>
 
+<file path=ppt/slides/slide12.xml><?xml version="1.0" encoding="utf-8"?>
+<p:sld xmlns:a="http://schemas.openxmlformats.org/drawingml/2006/main" xmlns:r="http://schemas.openxmlformats.org/officeDocument/2006/relationships" xmlns:p="http://schemas.openxmlformats.org/presentationml/2006/main">
+  <p:cSld>
+    <p:spTree>
+      <p:nvGrpSpPr>
+        <p:cNvPr id="1" name=""/>
+        <p:cNvGrpSpPr/>
+        <p:nvPr/>
+      </p:nvGrpSpPr>
+      <p:grpSpPr>
+        <a:xfrm>
+          <a:off x="0" y="0"/>
+          <a:ext cx="0" cy="0"/>
+          <a:chOff x="0" y="0"/>
+          <a:chExt cx="0" cy="0"/>
+        </a:xfrm>
+      </p:grpSpPr>
+      <p:sp>
+        <p:nvSpPr>
+          <p:cNvPr id="2" name="Titolo 1">
+            <a:extLst>
+              <a:ext uri="{FF2B5EF4-FFF2-40B4-BE49-F238E27FC236}">
+                <a16:creationId xmlns:a16="http://schemas.microsoft.com/office/drawing/2014/main" id="{6ACD5630-94EA-59A2-9D99-D6876931D06F}"/>
+              </a:ext>
+            </a:extLst>
+          </p:cNvPr>
+          <p:cNvSpPr>
+            <a:spLocks noGrp="1"/>
+          </p:cNvSpPr>
+          <p:nvPr>
+            <p:ph type="title"/>
+          </p:nvPr>
+        </p:nvSpPr>
+        <p:spPr/>
+        <p:txBody>
+          <a:bodyPr/>
+          <a:lstStyle/>
+          <a:p>
+            <a:r>
+              <a:rPr lang="it-IT" dirty="0"/>
+              <a:t>Attacco a </a:t>
+            </a:r>
+            <a:r>
+              <a:rPr lang="it-IT" dirty="0" err="1"/>
+              <a:t>sql</a:t>
+            </a:r>
+            <a:r>
+              <a:rPr lang="it-IT" dirty="0"/>
+              <a:t> database</a:t>
+            </a:r>
+          </a:p>
+        </p:txBody>
+      </p:sp>
+      <p:pic>
+        <p:nvPicPr>
+          <p:cNvPr id="5" name="Segnaposto contenuto 4">
+            <a:extLst>
+              <a:ext uri="{FF2B5EF4-FFF2-40B4-BE49-F238E27FC236}">
+                <a16:creationId xmlns:a16="http://schemas.microsoft.com/office/drawing/2014/main" id="{50F5EBE6-5554-4570-BE61-F744213ED0C2}"/>
+              </a:ext>
+            </a:extLst>
+          </p:cNvPr>
+          <p:cNvPicPr>
+            <a:picLocks noGrp="1" noChangeAspect="1"/>
+          </p:cNvPicPr>
+          <p:nvPr>
+            <p:ph idx="1"/>
+          </p:nvPr>
+        </p:nvPicPr>
+        <p:blipFill>
+          <a:blip r:embed="rId2">
+            <a:extLst>
+              <a:ext uri="{28A0092B-C50C-407E-A947-70E740481C1C}">
+                <a14:useLocalDpi xmlns:a14="http://schemas.microsoft.com/office/drawing/2010/main" val="0"/>
+              </a:ext>
+            </a:extLst>
+          </a:blip>
+          <a:stretch>
+            <a:fillRect/>
+          </a:stretch>
+        </p:blipFill>
+        <p:spPr>
+          <a:xfrm>
+            <a:off x="148067" y="1832110"/>
+            <a:ext cx="6188972" cy="4351338"/>
+          </a:xfrm>
+        </p:spPr>
+      </p:pic>
+      <p:pic>
+        <p:nvPicPr>
+          <p:cNvPr id="7" name="Immagine 6">
+            <a:extLst>
+              <a:ext uri="{FF2B5EF4-FFF2-40B4-BE49-F238E27FC236}">
+                <a16:creationId xmlns:a16="http://schemas.microsoft.com/office/drawing/2014/main" id="{063F0267-AF11-8843-153F-A14473EBC63A}"/>
+              </a:ext>
+            </a:extLst>
+          </p:cNvPr>
+          <p:cNvPicPr>
+            <a:picLocks noChangeAspect="1"/>
+          </p:cNvPicPr>
+          <p:nvPr/>
+        </p:nvPicPr>
+        <p:blipFill>
+          <a:blip r:embed="rId3">
+            <a:extLst>
+              <a:ext uri="{28A0092B-C50C-407E-A947-70E740481C1C}">
+                <a14:useLocalDpi xmlns:a14="http://schemas.microsoft.com/office/drawing/2010/main" val="0"/>
+              </a:ext>
+            </a:extLst>
+          </a:blip>
+          <a:stretch>
+            <a:fillRect/>
+          </a:stretch>
+        </p:blipFill>
+        <p:spPr>
+          <a:xfrm>
+            <a:off x="6394721" y="2036322"/>
+            <a:ext cx="5306422" cy="4072208"/>
+          </a:xfrm>
+          <a:prstGeom prst="rect">
+            <a:avLst/>
+          </a:prstGeom>
+        </p:spPr>
+      </p:pic>
+    </p:spTree>
+    <p:extLst>
+      <p:ext uri="{BB962C8B-B14F-4D97-AF65-F5344CB8AC3E}">
+        <p14:creationId xmlns:p14="http://schemas.microsoft.com/office/powerpoint/2010/main" val="3063656274"/>
+      </p:ext>
+    </p:extLst>
+  </p:cSld>
+  <p:clrMapOvr>
+    <a:masterClrMapping/>
+  </p:clrMapOvr>
+</p:sld>
+</file>
+
+<file path=ppt/slides/slide13.xml><?xml version="1.0" encoding="utf-8"?>
+<p:sld xmlns:a="http://schemas.openxmlformats.org/drawingml/2006/main" xmlns:r="http://schemas.openxmlformats.org/officeDocument/2006/relationships" xmlns:p="http://schemas.openxmlformats.org/presentationml/2006/main">
+  <p:cSld>
+    <p:spTree>
+      <p:nvGrpSpPr>
+        <p:cNvPr id="1" name=""/>
+        <p:cNvGrpSpPr/>
+        <p:nvPr/>
+      </p:nvGrpSpPr>
+      <p:grpSpPr>
+        <a:xfrm>
+          <a:off x="0" y="0"/>
+          <a:ext cx="0" cy="0"/>
+          <a:chOff x="0" y="0"/>
+          <a:chExt cx="0" cy="0"/>
+        </a:xfrm>
+      </p:grpSpPr>
+      <p:sp>
+        <p:nvSpPr>
+          <p:cNvPr id="2" name="Titolo 1">
+            <a:extLst>
+              <a:ext uri="{FF2B5EF4-FFF2-40B4-BE49-F238E27FC236}">
+                <a16:creationId xmlns:a16="http://schemas.microsoft.com/office/drawing/2014/main" id="{306D9A4F-80E5-D20B-8324-D1336CDD4851}"/>
+              </a:ext>
+            </a:extLst>
+          </p:cNvPr>
+          <p:cNvSpPr>
+            <a:spLocks noGrp="1"/>
+          </p:cNvSpPr>
+          <p:nvPr>
+            <p:ph type="title"/>
+          </p:nvPr>
+        </p:nvSpPr>
+        <p:spPr/>
+        <p:txBody>
+          <a:bodyPr/>
+          <a:lstStyle/>
+          <a:p>
+            <a:endParaRPr lang="it-IT"/>
+          </a:p>
+        </p:txBody>
+      </p:sp>
+      <p:pic>
+        <p:nvPicPr>
+          <p:cNvPr id="5" name="Segnaposto contenuto 4">
+            <a:extLst>
+              <a:ext uri="{FF2B5EF4-FFF2-40B4-BE49-F238E27FC236}">
+                <a16:creationId xmlns:a16="http://schemas.microsoft.com/office/drawing/2014/main" id="{27E63383-2916-6E69-13AE-3C5FB76A3BB4}"/>
+              </a:ext>
+            </a:extLst>
+          </p:cNvPr>
+          <p:cNvPicPr>
+            <a:picLocks noGrp="1" noChangeAspect="1"/>
+          </p:cNvPicPr>
+          <p:nvPr>
+            <p:ph idx="1"/>
+          </p:nvPr>
+        </p:nvPicPr>
+        <p:blipFill>
+          <a:blip r:embed="rId2">
+            <a:extLst>
+              <a:ext uri="{28A0092B-C50C-407E-A947-70E740481C1C}">
+                <a14:useLocalDpi xmlns:a14="http://schemas.microsoft.com/office/drawing/2010/main" val="0"/>
+              </a:ext>
+            </a:extLst>
+          </a:blip>
+          <a:stretch>
+            <a:fillRect/>
+          </a:stretch>
+        </p:blipFill>
+        <p:spPr>
+          <a:xfrm>
+            <a:off x="2412459" y="751867"/>
+            <a:ext cx="8015591" cy="5638433"/>
+          </a:xfrm>
+        </p:spPr>
+      </p:pic>
+    </p:spTree>
+    <p:extLst>
+      <p:ext uri="{BB962C8B-B14F-4D97-AF65-F5344CB8AC3E}">
+        <p14:creationId xmlns:p14="http://schemas.microsoft.com/office/powerpoint/2010/main" val="3061399622"/>
+      </p:ext>
+    </p:extLst>
+  </p:cSld>
+  <p:clrMapOvr>
+    <a:masterClrMapping/>
+  </p:clrMapOvr>
+</p:sld>
+</file>
+
+<file path=ppt/slides/slide14.xml><?xml version="1.0" encoding="utf-8"?>
+<p:sld xmlns:a="http://schemas.openxmlformats.org/drawingml/2006/main" xmlns:r="http://schemas.openxmlformats.org/officeDocument/2006/relationships" xmlns:p="http://schemas.openxmlformats.org/presentationml/2006/main">
+  <p:cSld>
+    <p:spTree>
+      <p:nvGrpSpPr>
+        <p:cNvPr id="1" name=""/>
+        <p:cNvGrpSpPr/>
+        <p:nvPr/>
+      </p:nvGrpSpPr>
+      <p:grpSpPr>
+        <a:xfrm>
+          <a:off x="0" y="0"/>
+          <a:ext cx="0" cy="0"/>
+          <a:chOff x="0" y="0"/>
+          <a:chExt cx="0" cy="0"/>
+        </a:xfrm>
+      </p:grpSpPr>
+      <p:sp>
+        <p:nvSpPr>
+          <p:cNvPr id="2" name="Titolo 1">
+            <a:extLst>
+              <a:ext uri="{FF2B5EF4-FFF2-40B4-BE49-F238E27FC236}">
+                <a16:creationId xmlns:a16="http://schemas.microsoft.com/office/drawing/2014/main" id="{930AB81D-EC2A-DD43-6BA5-BBF07DDF6431}"/>
+              </a:ext>
+            </a:extLst>
+          </p:cNvPr>
+          <p:cNvSpPr>
+            <a:spLocks noGrp="1"/>
+          </p:cNvSpPr>
+          <p:nvPr>
+            <p:ph type="title"/>
+          </p:nvPr>
+        </p:nvSpPr>
+        <p:spPr/>
+        <p:txBody>
+          <a:bodyPr/>
+          <a:lstStyle/>
+          <a:p>
+            <a:endParaRPr lang="it-IT"/>
+          </a:p>
+        </p:txBody>
+      </p:sp>
+      <p:pic>
+        <p:nvPicPr>
+          <p:cNvPr id="5" name="Segnaposto contenuto 4">
+            <a:extLst>
+              <a:ext uri="{FF2B5EF4-FFF2-40B4-BE49-F238E27FC236}">
+                <a16:creationId xmlns:a16="http://schemas.microsoft.com/office/drawing/2014/main" id="{0E553C6F-7666-1BB0-C893-D3BE12EC7B75}"/>
+              </a:ext>
+            </a:extLst>
+          </p:cNvPr>
+          <p:cNvPicPr>
+            <a:picLocks noGrp="1" noChangeAspect="1"/>
+          </p:cNvPicPr>
+          <p:nvPr>
+            <p:ph idx="1"/>
+          </p:nvPr>
+        </p:nvPicPr>
+        <p:blipFill>
+          <a:blip r:embed="rId2">
+            <a:extLst>
+              <a:ext uri="{28A0092B-C50C-407E-A947-70E740481C1C}">
+                <a14:useLocalDpi xmlns:a14="http://schemas.microsoft.com/office/drawing/2010/main" val="0"/>
+              </a:ext>
+            </a:extLst>
+          </a:blip>
+          <a:stretch>
+            <a:fillRect/>
+          </a:stretch>
+        </p:blipFill>
+        <p:spPr>
+          <a:xfrm>
+            <a:off x="2023132" y="745787"/>
+            <a:ext cx="7983387" cy="5634293"/>
+          </a:xfrm>
+        </p:spPr>
+      </p:pic>
+    </p:spTree>
+    <p:extLst>
+      <p:ext uri="{BB962C8B-B14F-4D97-AF65-F5344CB8AC3E}">
+        <p14:creationId xmlns:p14="http://schemas.microsoft.com/office/powerpoint/2010/main" val="749250674"/>
+      </p:ext>
+    </p:extLst>
+  </p:cSld>
+  <p:clrMapOvr>
+    <a:masterClrMapping/>
+  </p:clrMapOvr>
+</p:sld>
+</file>
+
+<file path=ppt/slides/slide15.xml><?xml version="1.0" encoding="utf-8"?>
+<p:sld xmlns:a="http://schemas.openxmlformats.org/drawingml/2006/main" xmlns:r="http://schemas.openxmlformats.org/officeDocument/2006/relationships" xmlns:p="http://schemas.openxmlformats.org/presentationml/2006/main">
+  <p:cSld>
+    <p:spTree>
+      <p:nvGrpSpPr>
+        <p:cNvPr id="1" name=""/>
+        <p:cNvGrpSpPr/>
+        <p:nvPr/>
+      </p:nvGrpSpPr>
+      <p:grpSpPr>
+        <a:xfrm>
+          <a:off x="0" y="0"/>
+          <a:ext cx="0" cy="0"/>
+          <a:chOff x="0" y="0"/>
+          <a:chExt cx="0" cy="0"/>
+        </a:xfrm>
+      </p:grpSpPr>
+      <p:sp>
+        <p:nvSpPr>
+          <p:cNvPr id="2" name="Titolo 1">
+            <a:extLst>
+              <a:ext uri="{FF2B5EF4-FFF2-40B4-BE49-F238E27FC236}">
+                <a16:creationId xmlns:a16="http://schemas.microsoft.com/office/drawing/2014/main" id="{0082AEF3-062A-83FB-EEB4-2AFCDD35B703}"/>
+              </a:ext>
+            </a:extLst>
+          </p:cNvPr>
+          <p:cNvSpPr>
+            <a:spLocks noGrp="1"/>
+          </p:cNvSpPr>
+          <p:nvPr>
+            <p:ph type="title"/>
+          </p:nvPr>
+        </p:nvSpPr>
+        <p:spPr/>
+        <p:txBody>
+          <a:bodyPr/>
+          <a:lstStyle/>
+          <a:p>
+            <a:endParaRPr lang="it-IT"/>
+          </a:p>
+        </p:txBody>
+      </p:sp>
+      <p:pic>
+        <p:nvPicPr>
+          <p:cNvPr id="9" name="Segnaposto contenuto 8">
+            <a:extLst>
+              <a:ext uri="{FF2B5EF4-FFF2-40B4-BE49-F238E27FC236}">
+                <a16:creationId xmlns:a16="http://schemas.microsoft.com/office/drawing/2014/main" id="{3AFF46F3-963A-52B9-F463-25D684FDDD56}"/>
+              </a:ext>
+            </a:extLst>
+          </p:cNvPr>
+          <p:cNvPicPr>
+            <a:picLocks noGrp="1" noChangeAspect="1"/>
+          </p:cNvPicPr>
+          <p:nvPr>
+            <p:ph idx="1"/>
+          </p:nvPr>
+        </p:nvPicPr>
+        <p:blipFill>
+          <a:blip r:embed="rId2">
+            <a:extLst>
+              <a:ext uri="{28A0092B-C50C-407E-A947-70E740481C1C}">
+                <a14:useLocalDpi xmlns:a14="http://schemas.microsoft.com/office/drawing/2010/main" val="0"/>
+              </a:ext>
+            </a:extLst>
+          </a:blip>
+          <a:stretch>
+            <a:fillRect/>
+          </a:stretch>
+        </p:blipFill>
+        <p:spPr>
+          <a:xfrm>
+            <a:off x="2238519" y="933856"/>
+            <a:ext cx="7571029" cy="5093950"/>
+          </a:xfrm>
+        </p:spPr>
+      </p:pic>
+    </p:spTree>
+    <p:extLst>
+      <p:ext uri="{BB962C8B-B14F-4D97-AF65-F5344CB8AC3E}">
+        <p14:creationId xmlns:p14="http://schemas.microsoft.com/office/powerpoint/2010/main" val="3588930164"/>
+      </p:ext>
+    </p:extLst>
+  </p:cSld>
+  <p:clrMapOvr>
+    <a:masterClrMapping/>
+  </p:clrMapOvr>
+</p:sld>
+</file>
+
+<file path=ppt/slides/slide16.xml><?xml version="1.0" encoding="utf-8"?>
+<p:sld xmlns:a="http://schemas.openxmlformats.org/drawingml/2006/main" xmlns:r="http://schemas.openxmlformats.org/officeDocument/2006/relationships" xmlns:p="http://schemas.openxmlformats.org/presentationml/2006/main">
+  <p:cSld>
+    <p:spTree>
+      <p:nvGrpSpPr>
+        <p:cNvPr id="1" name=""/>
+        <p:cNvGrpSpPr/>
+        <p:nvPr/>
+      </p:nvGrpSpPr>
+      <p:grpSpPr>
+        <a:xfrm>
+          <a:off x="0" y="0"/>
+          <a:ext cx="0" cy="0"/>
+          <a:chOff x="0" y="0"/>
+          <a:chExt cx="0" cy="0"/>
+        </a:xfrm>
+      </p:grpSpPr>
+      <p:sp>
+        <p:nvSpPr>
+          <p:cNvPr id="2" name="Titolo 1">
+            <a:extLst>
+              <a:ext uri="{FF2B5EF4-FFF2-40B4-BE49-F238E27FC236}">
+                <a16:creationId xmlns:a16="http://schemas.microsoft.com/office/drawing/2014/main" id="{4B30ECCD-269C-EE27-040E-BC4E358FEF82}"/>
+              </a:ext>
+            </a:extLst>
+          </p:cNvPr>
+          <p:cNvSpPr>
+            <a:spLocks noGrp="1"/>
+          </p:cNvSpPr>
+          <p:nvPr>
+            <p:ph type="title"/>
+          </p:nvPr>
+        </p:nvSpPr>
+        <p:spPr/>
+        <p:txBody>
+          <a:bodyPr/>
+          <a:lstStyle/>
+          <a:p>
+            <a:endParaRPr lang="it-IT"/>
+          </a:p>
+        </p:txBody>
+      </p:sp>
+      <p:pic>
+        <p:nvPicPr>
+          <p:cNvPr id="5" name="Segnaposto contenuto 4">
+            <a:extLst>
+              <a:ext uri="{FF2B5EF4-FFF2-40B4-BE49-F238E27FC236}">
+                <a16:creationId xmlns:a16="http://schemas.microsoft.com/office/drawing/2014/main" id="{A5D4117D-04BE-751A-9603-AC4D8B14181C}"/>
+              </a:ext>
+            </a:extLst>
+          </p:cNvPr>
+          <p:cNvPicPr>
+            <a:picLocks noGrp="1" noChangeAspect="1"/>
+          </p:cNvPicPr>
+          <p:nvPr>
+            <p:ph idx="1"/>
+          </p:nvPr>
+        </p:nvPicPr>
+        <p:blipFill>
+          <a:blip r:embed="rId2">
+            <a:extLst>
+              <a:ext uri="{28A0092B-C50C-407E-A947-70E740481C1C}">
+                <a14:useLocalDpi xmlns:a14="http://schemas.microsoft.com/office/drawing/2010/main" val="0"/>
+              </a:ext>
+            </a:extLst>
+          </a:blip>
+          <a:stretch>
+            <a:fillRect/>
+          </a:stretch>
+        </p:blipFill>
+        <p:spPr>
+          <a:xfrm>
+            <a:off x="2422616" y="1167319"/>
+            <a:ext cx="7057802" cy="4996674"/>
+          </a:xfrm>
+        </p:spPr>
+      </p:pic>
+    </p:spTree>
+    <p:extLst>
+      <p:ext uri="{BB962C8B-B14F-4D97-AF65-F5344CB8AC3E}">
+        <p14:creationId xmlns:p14="http://schemas.microsoft.com/office/powerpoint/2010/main" val="1964644579"/>
+      </p:ext>
+    </p:extLst>
+  </p:cSld>
+  <p:clrMapOvr>
+    <a:masterClrMapping/>
+  </p:clrMapOvr>
+</p:sld>
+</file>
+
 <file path=ppt/slides/slide2.xml><?xml version="1.0" encoding="utf-8"?>
 <p:sld xmlns:a="http://schemas.openxmlformats.org/drawingml/2006/main" xmlns:r="http://schemas.openxmlformats.org/officeDocument/2006/relationships" xmlns:p="http://schemas.openxmlformats.org/presentationml/2006/main">
   <p:cSld>
